--- a/lectures/11/2_Analysis and Interpretation Individual Variables Independently.pptx
+++ b/lectures/11/2_Analysis and Interpretation Individual Variables Independently.pptx
@@ -5,10 +5,10 @@
     <p:sldMasterId id="2147483648" r:id="rId4"/>
   </p:sldMasterIdLst>
   <p:notesMasterIdLst>
-    <p:notesMasterId r:id="rId34"/>
+    <p:notesMasterId r:id="rId36"/>
   </p:notesMasterIdLst>
   <p:handoutMasterIdLst>
-    <p:handoutMasterId r:id="rId35"/>
+    <p:handoutMasterId r:id="rId37"/>
   </p:handoutMasterIdLst>
   <p:sldIdLst>
     <p:sldId id="300" r:id="rId5"/>
@@ -39,7 +39,9 @@
     <p:sldId id="290" r:id="rId30"/>
     <p:sldId id="291" r:id="rId31"/>
     <p:sldId id="299" r:id="rId32"/>
-    <p:sldId id="298" r:id="rId33"/>
+    <p:sldId id="304" r:id="rId33"/>
+    <p:sldId id="303" r:id="rId34"/>
+    <p:sldId id="298" r:id="rId35"/>
   </p:sldIdLst>
   <p:sldSz cx="12192000" cy="6858000"/>
   <p:notesSz cx="6858000" cy="9144000"/>
@@ -1727,7 +1729,17 @@
           <a:bodyPr/>
           <a:lstStyle/>
           <a:p>
-            <a:endParaRPr lang="en-US"/>
+            <a:r>
+              <a:rPr lang="en-US" b="0" i="0" dirty="0">
+                <a:solidFill>
+                  <a:srgbClr val="000000"/>
+                </a:solidFill>
+                <a:effectLst/>
+                <a:latin typeface="Lucida Grande"/>
+              </a:rPr>
+              <a:t>This model investigates emergent patterns in a demographic property of a population: the adult sex ratio (ASR). ASR is defined as the ratio of males to females in the adult population. Most sexually reproducing organisms have an ASR of 1:1. Fisher (1930) explains a rationale for this phenomenon based on natural selection, irrespective of a particular mechanism of sex-determination, which is now known as Fisher’s principle (Hamilton, 1967).</a:t>
+            </a:r>
+            <a:endParaRPr lang="en-US" dirty="0"/>
           </a:p>
         </p:txBody>
       </p:sp>
@@ -1748,7 +1760,7 @@
           <a:p>
             <a:fld id="{BC849E9A-41F7-4779-A581-48A7C374A227}" type="slidenum">
               <a:rPr lang="en-US" smtClean="0"/>
-              <a:t>29</a:t>
+              <a:t>31</a:t>
             </a:fld>
             <a:endParaRPr lang="en-US" dirty="0"/>
           </a:p>
@@ -18824,6 +18836,14 @@
 <file path=ppt/slides/slide29.xml><?xml version="1.0" encoding="utf-8"?>
 <p:sld xmlns:a="http://schemas.openxmlformats.org/drawingml/2006/main" xmlns:r="http://schemas.openxmlformats.org/officeDocument/2006/relationships" xmlns:p="http://schemas.openxmlformats.org/presentationml/2006/main">
   <p:cSld>
+    <p:bg>
+      <p:bgPr>
+        <a:solidFill>
+          <a:schemeClr val="bg1"/>
+        </a:solidFill>
+        <a:effectLst/>
+      </p:bgPr>
+    </p:bg>
     <p:spTree>
       <p:nvGrpSpPr>
         <p:cNvPr id="1" name=""/>
@@ -18838,12 +18858,72 @@
           <a:chExt cx="0" cy="0"/>
         </a:xfrm>
       </p:grpSpPr>
+      <p:sp useBgFill="1">
+        <p:nvSpPr>
+          <p:cNvPr id="10" name="Rectangle 9">
+            <a:extLst>
+              <a:ext uri="{FF2B5EF4-FFF2-40B4-BE49-F238E27FC236}">
+                <a16:creationId xmlns:a16="http://schemas.microsoft.com/office/drawing/2014/main" id="{743AA782-23D1-4521-8CAD-47662984AA08}"/>
+              </a:ext>
+              <a:ext uri="{C183D7F6-B498-43B3-948B-1728B52AA6E4}">
+                <adec:decorative xmlns:adec="http://schemas.microsoft.com/office/drawing/2017/decorative" val="1"/>
+              </a:ext>
+            </a:extLst>
+          </p:cNvPr>
+          <p:cNvSpPr>
+            <a:spLocks noGrp="1" noRot="1" noChangeAspect="1" noMove="1" noResize="1" noEditPoints="1" noAdjustHandles="1" noChangeArrowheads="1" noChangeShapeType="1" noTextEdit="1"/>
+          </p:cNvSpPr>
+          <p:nvPr>
+            <p:extLst>
+              <p:ext uri="{386F3935-93C4-4BCD-93E2-E3B085C9AB24}">
+                <p16:designElem xmlns:p16="http://schemas.microsoft.com/office/powerpoint/2015/main" val="1"/>
+              </p:ext>
+            </p:extLst>
+          </p:nvPr>
+        </p:nvSpPr>
+        <p:spPr>
+          <a:xfrm>
+            <a:off x="0" y="0"/>
+            <a:ext cx="12192000" cy="6858000"/>
+          </a:xfrm>
+          <a:prstGeom prst="rect">
+            <a:avLst/>
+          </a:prstGeom>
+          <a:ln>
+            <a:noFill/>
+          </a:ln>
+        </p:spPr>
+        <p:style>
+          <a:lnRef idx="2">
+            <a:schemeClr val="accent1">
+              <a:shade val="50000"/>
+            </a:schemeClr>
+          </a:lnRef>
+          <a:fillRef idx="1">
+            <a:schemeClr val="accent1"/>
+          </a:fillRef>
+          <a:effectRef idx="0">
+            <a:schemeClr val="accent1"/>
+          </a:effectRef>
+          <a:fontRef idx="minor">
+            <a:schemeClr val="lt1"/>
+          </a:fontRef>
+        </p:style>
+        <p:txBody>
+          <a:bodyPr rtlCol="0" anchor="ctr"/>
+          <a:lstStyle/>
+          <a:p>
+            <a:pPr algn="ctr"/>
+            <a:endParaRPr lang="en-US"/>
+          </a:p>
+        </p:txBody>
+      </p:sp>
       <p:sp>
         <p:nvSpPr>
           <p:cNvPr id="2" name="Title 1">
             <a:extLst>
               <a:ext uri="{FF2B5EF4-FFF2-40B4-BE49-F238E27FC236}">
-                <a16:creationId xmlns:a16="http://schemas.microsoft.com/office/drawing/2014/main" id="{B58A304F-747C-4A04-9BB5-77567BE5530E}"/>
+                <a16:creationId xmlns:a16="http://schemas.microsoft.com/office/drawing/2014/main" id="{5F89699A-94B1-4923-87E9-3C5F6FB2F97A}"/>
               </a:ext>
             </a:extLst>
           </p:cNvPr>
@@ -18854,15 +18934,295 @@
             <p:ph type="title"/>
           </p:nvPr>
         </p:nvSpPr>
-        <p:spPr/>
+        <p:spPr>
+          <a:xfrm>
+            <a:off x="630936" y="640080"/>
+            <a:ext cx="4818888" cy="1481328"/>
+          </a:xfrm>
+        </p:spPr>
         <p:txBody>
-          <a:bodyPr/>
+          <a:bodyPr anchor="b">
+            <a:normAutofit/>
+          </a:bodyPr>
           <a:lstStyle/>
           <a:p>
             <a:r>
-              <a:rPr lang="en-US"/>
-              <a:t>5-min snippet</a:t>
+              <a:rPr lang="en-US" sz="5000"/>
+              <a:t>10-min Group Discussion</a:t>
             </a:r>
+          </a:p>
+        </p:txBody>
+      </p:sp>
+      <p:sp>
+        <p:nvSpPr>
+          <p:cNvPr id="12" name="sketch line">
+            <a:extLst>
+              <a:ext uri="{FF2B5EF4-FFF2-40B4-BE49-F238E27FC236}">
+                <a16:creationId xmlns:a16="http://schemas.microsoft.com/office/drawing/2014/main" id="{71877DBC-BB60-40F0-AC93-2ACDBAAE60CE}"/>
+              </a:ext>
+              <a:ext uri="{C183D7F6-B498-43B3-948B-1728B52AA6E4}">
+                <adec:decorative xmlns:adec="http://schemas.microsoft.com/office/drawing/2017/decorative" val="1"/>
+              </a:ext>
+            </a:extLst>
+          </p:cNvPr>
+          <p:cNvSpPr>
+            <a:spLocks noGrp="1" noRot="1" noChangeAspect="1" noMove="1" noResize="1" noEditPoints="1" noAdjustHandles="1" noChangeArrowheads="1" noChangeShapeType="1" noTextEdit="1"/>
+          </p:cNvSpPr>
+          <p:nvPr>
+            <p:extLst>
+              <p:ext uri="{386F3935-93C4-4BCD-93E2-E3B085C9AB24}">
+                <p16:designElem xmlns:p16="http://schemas.microsoft.com/office/powerpoint/2015/main" val="1"/>
+              </p:ext>
+            </p:extLst>
+          </p:nvPr>
+        </p:nvSpPr>
+        <p:spPr>
+          <a:xfrm>
+            <a:off x="643278" y="2372868"/>
+            <a:ext cx="3255095" cy="18288"/>
+          </a:xfrm>
+          <a:custGeom>
+            <a:avLst/>
+            <a:gdLst>
+              <a:gd name="connsiteX0" fmla="*/ 0 w 3255095"/>
+              <a:gd name="connsiteY0" fmla="*/ 0 h 18288"/>
+              <a:gd name="connsiteX1" fmla="*/ 618468 w 3255095"/>
+              <a:gd name="connsiteY1" fmla="*/ 0 h 18288"/>
+              <a:gd name="connsiteX2" fmla="*/ 1269487 w 3255095"/>
+              <a:gd name="connsiteY2" fmla="*/ 0 h 18288"/>
+              <a:gd name="connsiteX3" fmla="*/ 1953057 w 3255095"/>
+              <a:gd name="connsiteY3" fmla="*/ 0 h 18288"/>
+              <a:gd name="connsiteX4" fmla="*/ 2636627 w 3255095"/>
+              <a:gd name="connsiteY4" fmla="*/ 0 h 18288"/>
+              <a:gd name="connsiteX5" fmla="*/ 3255095 w 3255095"/>
+              <a:gd name="connsiteY5" fmla="*/ 0 h 18288"/>
+              <a:gd name="connsiteX6" fmla="*/ 3255095 w 3255095"/>
+              <a:gd name="connsiteY6" fmla="*/ 18288 h 18288"/>
+              <a:gd name="connsiteX7" fmla="*/ 2538974 w 3255095"/>
+              <a:gd name="connsiteY7" fmla="*/ 18288 h 18288"/>
+              <a:gd name="connsiteX8" fmla="*/ 1822853 w 3255095"/>
+              <a:gd name="connsiteY8" fmla="*/ 18288 h 18288"/>
+              <a:gd name="connsiteX9" fmla="*/ 1171834 w 3255095"/>
+              <a:gd name="connsiteY9" fmla="*/ 18288 h 18288"/>
+              <a:gd name="connsiteX10" fmla="*/ 0 w 3255095"/>
+              <a:gd name="connsiteY10" fmla="*/ 18288 h 18288"/>
+              <a:gd name="connsiteX11" fmla="*/ 0 w 3255095"/>
+              <a:gd name="connsiteY11" fmla="*/ 0 h 18288"/>
+            </a:gdLst>
+            <a:ahLst/>
+            <a:cxnLst>
+              <a:cxn ang="0">
+                <a:pos x="connsiteX0" y="connsiteY0"/>
+              </a:cxn>
+              <a:cxn ang="0">
+                <a:pos x="connsiteX1" y="connsiteY1"/>
+              </a:cxn>
+              <a:cxn ang="0">
+                <a:pos x="connsiteX2" y="connsiteY2"/>
+              </a:cxn>
+              <a:cxn ang="0">
+                <a:pos x="connsiteX3" y="connsiteY3"/>
+              </a:cxn>
+              <a:cxn ang="0">
+                <a:pos x="connsiteX4" y="connsiteY4"/>
+              </a:cxn>
+              <a:cxn ang="0">
+                <a:pos x="connsiteX5" y="connsiteY5"/>
+              </a:cxn>
+              <a:cxn ang="0">
+                <a:pos x="connsiteX6" y="connsiteY6"/>
+              </a:cxn>
+              <a:cxn ang="0">
+                <a:pos x="connsiteX7" y="connsiteY7"/>
+              </a:cxn>
+              <a:cxn ang="0">
+                <a:pos x="connsiteX8" y="connsiteY8"/>
+              </a:cxn>
+              <a:cxn ang="0">
+                <a:pos x="connsiteX9" y="connsiteY9"/>
+              </a:cxn>
+              <a:cxn ang="0">
+                <a:pos x="connsiteX10" y="connsiteY10"/>
+              </a:cxn>
+              <a:cxn ang="0">
+                <a:pos x="connsiteX11" y="connsiteY11"/>
+              </a:cxn>
+            </a:cxnLst>
+            <a:rect l="l" t="t" r="r" b="b"/>
+            <a:pathLst>
+              <a:path w="3255095" h="18288" fill="none" extrusionOk="0">
+                <a:moveTo>
+                  <a:pt x="0" y="0"/>
+                </a:moveTo>
+                <a:cubicBezTo>
+                  <a:pt x="240201" y="-22123"/>
+                  <a:pt x="462021" y="-19623"/>
+                  <a:pt x="618468" y="0"/>
+                </a:cubicBezTo>
+                <a:cubicBezTo>
+                  <a:pt x="774915" y="19623"/>
+                  <a:pt x="974734" y="2035"/>
+                  <a:pt x="1269487" y="0"/>
+                </a:cubicBezTo>
+                <a:cubicBezTo>
+                  <a:pt x="1564240" y="-2035"/>
+                  <a:pt x="1733579" y="10639"/>
+                  <a:pt x="1953057" y="0"/>
+                </a:cubicBezTo>
+                <a:cubicBezTo>
+                  <a:pt x="2172535" y="-10639"/>
+                  <a:pt x="2453962" y="14018"/>
+                  <a:pt x="2636627" y="0"/>
+                </a:cubicBezTo>
+                <a:cubicBezTo>
+                  <a:pt x="2819292" y="-14018"/>
+                  <a:pt x="3121375" y="5399"/>
+                  <a:pt x="3255095" y="0"/>
+                </a:cubicBezTo>
+                <a:cubicBezTo>
+                  <a:pt x="3254386" y="8157"/>
+                  <a:pt x="3254682" y="12125"/>
+                  <a:pt x="3255095" y="18288"/>
+                </a:cubicBezTo>
+                <a:cubicBezTo>
+                  <a:pt x="3088545" y="23203"/>
+                  <a:pt x="2687475" y="7419"/>
+                  <a:pt x="2538974" y="18288"/>
+                </a:cubicBezTo>
+                <a:cubicBezTo>
+                  <a:pt x="2390473" y="29157"/>
+                  <a:pt x="2137381" y="-8959"/>
+                  <a:pt x="1822853" y="18288"/>
+                </a:cubicBezTo>
+                <a:cubicBezTo>
+                  <a:pt x="1508325" y="45535"/>
+                  <a:pt x="1466437" y="20385"/>
+                  <a:pt x="1171834" y="18288"/>
+                </a:cubicBezTo>
+                <a:cubicBezTo>
+                  <a:pt x="877231" y="16191"/>
+                  <a:pt x="561097" y="37643"/>
+                  <a:pt x="0" y="18288"/>
+                </a:cubicBezTo>
+                <a:cubicBezTo>
+                  <a:pt x="-46" y="12483"/>
+                  <a:pt x="-203" y="6491"/>
+                  <a:pt x="0" y="0"/>
+                </a:cubicBezTo>
+                <a:close/>
+              </a:path>
+              <a:path w="3255095" h="18288" stroke="0" extrusionOk="0">
+                <a:moveTo>
+                  <a:pt x="0" y="0"/>
+                </a:moveTo>
+                <a:cubicBezTo>
+                  <a:pt x="291965" y="19429"/>
+                  <a:pt x="363155" y="8568"/>
+                  <a:pt x="618468" y="0"/>
+                </a:cubicBezTo>
+                <a:cubicBezTo>
+                  <a:pt x="873781" y="-8568"/>
+                  <a:pt x="904459" y="-19505"/>
+                  <a:pt x="1171834" y="0"/>
+                </a:cubicBezTo>
+                <a:cubicBezTo>
+                  <a:pt x="1439209" y="19505"/>
+                  <a:pt x="1744369" y="9790"/>
+                  <a:pt x="1887955" y="0"/>
+                </a:cubicBezTo>
+                <a:cubicBezTo>
+                  <a:pt x="2031541" y="-9790"/>
+                  <a:pt x="2346378" y="21240"/>
+                  <a:pt x="2506423" y="0"/>
+                </a:cubicBezTo>
+                <a:cubicBezTo>
+                  <a:pt x="2666468" y="-21240"/>
+                  <a:pt x="2990257" y="30414"/>
+                  <a:pt x="3255095" y="0"/>
+                </a:cubicBezTo>
+                <a:cubicBezTo>
+                  <a:pt x="3254831" y="4493"/>
+                  <a:pt x="3255479" y="9472"/>
+                  <a:pt x="3255095" y="18288"/>
+                </a:cubicBezTo>
+                <a:cubicBezTo>
+                  <a:pt x="3120743" y="16690"/>
+                  <a:pt x="2759628" y="42462"/>
+                  <a:pt x="2604076" y="18288"/>
+                </a:cubicBezTo>
+                <a:cubicBezTo>
+                  <a:pt x="2448524" y="-5886"/>
+                  <a:pt x="2184336" y="19599"/>
+                  <a:pt x="1887955" y="18288"/>
+                </a:cubicBezTo>
+                <a:cubicBezTo>
+                  <a:pt x="1591574" y="16977"/>
+                  <a:pt x="1548845" y="6870"/>
+                  <a:pt x="1334589" y="18288"/>
+                </a:cubicBezTo>
+                <a:cubicBezTo>
+                  <a:pt x="1120333" y="29706"/>
+                  <a:pt x="996014" y="9662"/>
+                  <a:pt x="683570" y="18288"/>
+                </a:cubicBezTo>
+                <a:cubicBezTo>
+                  <a:pt x="371126" y="26914"/>
+                  <a:pt x="198687" y="16167"/>
+                  <a:pt x="0" y="18288"/>
+                </a:cubicBezTo>
+                <a:cubicBezTo>
+                  <a:pt x="843" y="9577"/>
+                  <a:pt x="371" y="6900"/>
+                  <a:pt x="0" y="0"/>
+                </a:cubicBezTo>
+                <a:close/>
+              </a:path>
+            </a:pathLst>
+          </a:custGeom>
+          <a:solidFill>
+            <a:schemeClr val="accent2"/>
+          </a:solidFill>
+          <a:ln w="38100" cap="rnd">
+            <a:solidFill>
+              <a:schemeClr val="accent2"/>
+            </a:solidFill>
+            <a:round/>
+            <a:extLst>
+              <a:ext uri="{C807C97D-BFC1-408E-A445-0C87EB9F89A2}">
+                <ask:lineSketchStyleProps xmlns:ask="http://schemas.microsoft.com/office/drawing/2018/sketchyshapes" sd="1219033472">
+                  <a:prstGeom prst="rect">
+                    <a:avLst/>
+                  </a:prstGeom>
+                  <ask:type>
+                    <ask:lineSketchFreehand/>
+                  </ask:type>
+                </ask:lineSketchStyleProps>
+              </a:ext>
+            </a:extLst>
+          </a:ln>
+        </p:spPr>
+        <p:style>
+          <a:lnRef idx="2">
+            <a:schemeClr val="accent1">
+              <a:shade val="50000"/>
+            </a:schemeClr>
+          </a:lnRef>
+          <a:fillRef idx="1">
+            <a:schemeClr val="accent1"/>
+          </a:fillRef>
+          <a:effectRef idx="0">
+            <a:schemeClr val="accent1"/>
+          </a:effectRef>
+          <a:fontRef idx="minor">
+            <a:schemeClr val="lt1"/>
+          </a:fontRef>
+        </p:style>
+        <p:txBody>
+          <a:bodyPr rtlCol="0" anchor="ctr"/>
+          <a:lstStyle/>
+          <a:p>
+            <a:pPr algn="ctr"/>
+            <a:endParaRPr lang="en-US"/>
           </a:p>
         </p:txBody>
       </p:sp>
@@ -18871,7 +19231,7 @@
           <p:cNvPr id="3" name="Content Placeholder 2">
             <a:extLst>
               <a:ext uri="{FF2B5EF4-FFF2-40B4-BE49-F238E27FC236}">
-                <a16:creationId xmlns:a16="http://schemas.microsoft.com/office/drawing/2014/main" id="{80E50E8D-B594-44B7-8467-285878294200}"/>
+                <a16:creationId xmlns:a16="http://schemas.microsoft.com/office/drawing/2014/main" id="{B3B9F673-9924-48C9-9FBE-7A1D49B909E6}"/>
               </a:ext>
             </a:extLst>
           </p:cNvPr>
@@ -18882,19 +19242,74 @@
             <p:ph idx="1"/>
           </p:nvPr>
         </p:nvSpPr>
-        <p:spPr/>
+        <p:spPr>
+          <a:xfrm>
+            <a:off x="630936" y="2660904"/>
+            <a:ext cx="4818888" cy="3547872"/>
+          </a:xfrm>
+        </p:spPr>
         <p:txBody>
-          <a:bodyPr/>
+          <a:bodyPr anchor="t">
+            <a:normAutofit/>
+          </a:bodyPr>
           <a:lstStyle/>
           <a:p>
-            <a:endParaRPr lang="en-US"/>
+            <a:r>
+              <a:rPr lang="en-US" sz="2200"/>
+              <a:t>Fix Data analysis plan</a:t>
+            </a:r>
+          </a:p>
+          <a:p>
+            <a:r>
+              <a:rPr lang="en-US" sz="2200"/>
+              <a:t>Initial data analysis (Assignment 8)</a:t>
+            </a:r>
           </a:p>
         </p:txBody>
       </p:sp>
+      <p:pic>
+        <p:nvPicPr>
+          <p:cNvPr id="7" name="Graphic 6" descr="Stopwatch">
+            <a:extLst>
+              <a:ext uri="{FF2B5EF4-FFF2-40B4-BE49-F238E27FC236}">
+                <a16:creationId xmlns:a16="http://schemas.microsoft.com/office/drawing/2014/main" id="{A92E265D-3866-4189-971E-0116E3357DA8}"/>
+              </a:ext>
+            </a:extLst>
+          </p:cNvPr>
+          <p:cNvPicPr>
+            <a:picLocks noChangeAspect="1"/>
+          </p:cNvPicPr>
+          <p:nvPr/>
+        </p:nvPicPr>
+        <p:blipFill>
+          <a:blip r:embed="rId2">
+            <a:extLst>
+              <a:ext uri="{28A0092B-C50C-407E-A947-70E740481C1C}">
+                <a14:useLocalDpi xmlns:a14="http://schemas.microsoft.com/office/drawing/2010/main" val="0"/>
+              </a:ext>
+              <a:ext uri="{96DAC541-7B7A-43D3-8B79-37D633B846F1}">
+                <asvg:svgBlip xmlns:asvg="http://schemas.microsoft.com/office/drawing/2016/SVG/main" r:embed="rId3"/>
+              </a:ext>
+            </a:extLst>
+          </a:blip>
+          <a:stretch>
+            <a:fillRect/>
+          </a:stretch>
+        </p:blipFill>
+        <p:spPr>
+          <a:xfrm>
+            <a:off x="6099048" y="699516"/>
+            <a:ext cx="5458968" cy="5458968"/>
+          </a:xfrm>
+          <a:prstGeom prst="rect">
+            <a:avLst/>
+          </a:prstGeom>
+        </p:spPr>
+      </p:pic>
     </p:spTree>
     <p:extLst>
       <p:ext uri="{BB962C8B-B14F-4D97-AF65-F5344CB8AC3E}">
-        <p14:creationId xmlns:p14="http://schemas.microsoft.com/office/powerpoint/2010/main" val="2812934525"/>
+        <p14:creationId xmlns:p14="http://schemas.microsoft.com/office/powerpoint/2010/main" val="3648535573"/>
       </p:ext>
     </p:extLst>
   </p:cSld>
@@ -19759,6 +20174,584 @@
     <p:extLst>
       <p:ext uri="{BB962C8B-B14F-4D97-AF65-F5344CB8AC3E}">
         <p14:creationId xmlns:p14="http://schemas.microsoft.com/office/powerpoint/2010/main" val="3407101424"/>
+      </p:ext>
+    </p:extLst>
+  </p:cSld>
+  <p:clrMapOvr>
+    <a:masterClrMapping/>
+  </p:clrMapOvr>
+</p:sld>
+</file>
+
+<file path=ppt/slides/slide30.xml><?xml version="1.0" encoding="utf-8"?>
+<p:sld xmlns:a="http://schemas.openxmlformats.org/drawingml/2006/main" xmlns:r="http://schemas.openxmlformats.org/officeDocument/2006/relationships" xmlns:p="http://schemas.openxmlformats.org/presentationml/2006/main">
+  <p:cSld>
+    <p:bg>
+      <p:bgPr>
+        <a:solidFill>
+          <a:schemeClr val="bg1"/>
+        </a:solidFill>
+        <a:effectLst/>
+      </p:bgPr>
+    </p:bg>
+    <p:spTree>
+      <p:nvGrpSpPr>
+        <p:cNvPr id="1" name=""/>
+        <p:cNvGrpSpPr/>
+        <p:nvPr/>
+      </p:nvGrpSpPr>
+      <p:grpSpPr>
+        <a:xfrm>
+          <a:off x="0" y="0"/>
+          <a:ext cx="0" cy="0"/>
+          <a:chOff x="0" y="0"/>
+          <a:chExt cx="0" cy="0"/>
+        </a:xfrm>
+      </p:grpSpPr>
+      <p:sp useBgFill="1">
+        <p:nvSpPr>
+          <p:cNvPr id="10" name="Rectangle 9">
+            <a:extLst>
+              <a:ext uri="{FF2B5EF4-FFF2-40B4-BE49-F238E27FC236}">
+                <a16:creationId xmlns:a16="http://schemas.microsoft.com/office/drawing/2014/main" id="{743AA782-23D1-4521-8CAD-47662984AA08}"/>
+              </a:ext>
+              <a:ext uri="{C183D7F6-B498-43B3-948B-1728B52AA6E4}">
+                <adec:decorative xmlns:adec="http://schemas.microsoft.com/office/drawing/2017/decorative" val="1"/>
+              </a:ext>
+            </a:extLst>
+          </p:cNvPr>
+          <p:cNvSpPr>
+            <a:spLocks noGrp="1" noRot="1" noChangeAspect="1" noMove="1" noResize="1" noEditPoints="1" noAdjustHandles="1" noChangeArrowheads="1" noChangeShapeType="1" noTextEdit="1"/>
+          </p:cNvSpPr>
+          <p:nvPr>
+            <p:extLst>
+              <p:ext uri="{386F3935-93C4-4BCD-93E2-E3B085C9AB24}">
+                <p16:designElem xmlns:p16="http://schemas.microsoft.com/office/powerpoint/2015/main" val="1"/>
+              </p:ext>
+            </p:extLst>
+          </p:nvPr>
+        </p:nvSpPr>
+        <p:spPr>
+          <a:xfrm>
+            <a:off x="0" y="0"/>
+            <a:ext cx="12192000" cy="6858000"/>
+          </a:xfrm>
+          <a:prstGeom prst="rect">
+            <a:avLst/>
+          </a:prstGeom>
+          <a:ln>
+            <a:noFill/>
+          </a:ln>
+        </p:spPr>
+        <p:style>
+          <a:lnRef idx="2">
+            <a:schemeClr val="accent1">
+              <a:shade val="50000"/>
+            </a:schemeClr>
+          </a:lnRef>
+          <a:fillRef idx="1">
+            <a:schemeClr val="accent1"/>
+          </a:fillRef>
+          <a:effectRef idx="0">
+            <a:schemeClr val="accent1"/>
+          </a:effectRef>
+          <a:fontRef idx="minor">
+            <a:schemeClr val="lt1"/>
+          </a:fontRef>
+        </p:style>
+        <p:txBody>
+          <a:bodyPr rtlCol="0" anchor="ctr"/>
+          <a:lstStyle/>
+          <a:p>
+            <a:pPr algn="ctr"/>
+            <a:endParaRPr lang="en-US"/>
+          </a:p>
+        </p:txBody>
+      </p:sp>
+      <p:sp>
+        <p:nvSpPr>
+          <p:cNvPr id="2" name="Title 1">
+            <a:extLst>
+              <a:ext uri="{FF2B5EF4-FFF2-40B4-BE49-F238E27FC236}">
+                <a16:creationId xmlns:a16="http://schemas.microsoft.com/office/drawing/2014/main" id="{57BB5594-4C1C-4A38-A38F-EDFB13DDF365}"/>
+              </a:ext>
+            </a:extLst>
+          </p:cNvPr>
+          <p:cNvSpPr>
+            <a:spLocks noGrp="1"/>
+          </p:cNvSpPr>
+          <p:nvPr>
+            <p:ph type="title"/>
+          </p:nvPr>
+        </p:nvSpPr>
+        <p:spPr>
+          <a:xfrm>
+            <a:off x="630936" y="640080"/>
+            <a:ext cx="4818888" cy="1481328"/>
+          </a:xfrm>
+        </p:spPr>
+        <p:txBody>
+          <a:bodyPr anchor="b">
+            <a:normAutofit/>
+          </a:bodyPr>
+          <a:lstStyle/>
+          <a:p>
+            <a:r>
+              <a:rPr lang="en-US" sz="5400"/>
+              <a:t>Up next</a:t>
+            </a:r>
+          </a:p>
+        </p:txBody>
+      </p:sp>
+      <p:sp>
+        <p:nvSpPr>
+          <p:cNvPr id="12" name="sketch line">
+            <a:extLst>
+              <a:ext uri="{FF2B5EF4-FFF2-40B4-BE49-F238E27FC236}">
+                <a16:creationId xmlns:a16="http://schemas.microsoft.com/office/drawing/2014/main" id="{71877DBC-BB60-40F0-AC93-2ACDBAAE60CE}"/>
+              </a:ext>
+              <a:ext uri="{C183D7F6-B498-43B3-948B-1728B52AA6E4}">
+                <adec:decorative xmlns:adec="http://schemas.microsoft.com/office/drawing/2017/decorative" val="1"/>
+              </a:ext>
+            </a:extLst>
+          </p:cNvPr>
+          <p:cNvSpPr>
+            <a:spLocks noGrp="1" noRot="1" noChangeAspect="1" noMove="1" noResize="1" noEditPoints="1" noAdjustHandles="1" noChangeArrowheads="1" noChangeShapeType="1" noTextEdit="1"/>
+          </p:cNvSpPr>
+          <p:nvPr>
+            <p:extLst>
+              <p:ext uri="{386F3935-93C4-4BCD-93E2-E3B085C9AB24}">
+                <p16:designElem xmlns:p16="http://schemas.microsoft.com/office/powerpoint/2015/main" val="1"/>
+              </p:ext>
+            </p:extLst>
+          </p:nvPr>
+        </p:nvSpPr>
+        <p:spPr>
+          <a:xfrm>
+            <a:off x="643278" y="2372868"/>
+            <a:ext cx="3255095" cy="18288"/>
+          </a:xfrm>
+          <a:custGeom>
+            <a:avLst/>
+            <a:gdLst>
+              <a:gd name="connsiteX0" fmla="*/ 0 w 3255095"/>
+              <a:gd name="connsiteY0" fmla="*/ 0 h 18288"/>
+              <a:gd name="connsiteX1" fmla="*/ 618468 w 3255095"/>
+              <a:gd name="connsiteY1" fmla="*/ 0 h 18288"/>
+              <a:gd name="connsiteX2" fmla="*/ 1269487 w 3255095"/>
+              <a:gd name="connsiteY2" fmla="*/ 0 h 18288"/>
+              <a:gd name="connsiteX3" fmla="*/ 1953057 w 3255095"/>
+              <a:gd name="connsiteY3" fmla="*/ 0 h 18288"/>
+              <a:gd name="connsiteX4" fmla="*/ 2636627 w 3255095"/>
+              <a:gd name="connsiteY4" fmla="*/ 0 h 18288"/>
+              <a:gd name="connsiteX5" fmla="*/ 3255095 w 3255095"/>
+              <a:gd name="connsiteY5" fmla="*/ 0 h 18288"/>
+              <a:gd name="connsiteX6" fmla="*/ 3255095 w 3255095"/>
+              <a:gd name="connsiteY6" fmla="*/ 18288 h 18288"/>
+              <a:gd name="connsiteX7" fmla="*/ 2538974 w 3255095"/>
+              <a:gd name="connsiteY7" fmla="*/ 18288 h 18288"/>
+              <a:gd name="connsiteX8" fmla="*/ 1822853 w 3255095"/>
+              <a:gd name="connsiteY8" fmla="*/ 18288 h 18288"/>
+              <a:gd name="connsiteX9" fmla="*/ 1171834 w 3255095"/>
+              <a:gd name="connsiteY9" fmla="*/ 18288 h 18288"/>
+              <a:gd name="connsiteX10" fmla="*/ 0 w 3255095"/>
+              <a:gd name="connsiteY10" fmla="*/ 18288 h 18288"/>
+              <a:gd name="connsiteX11" fmla="*/ 0 w 3255095"/>
+              <a:gd name="connsiteY11" fmla="*/ 0 h 18288"/>
+            </a:gdLst>
+            <a:ahLst/>
+            <a:cxnLst>
+              <a:cxn ang="0">
+                <a:pos x="connsiteX0" y="connsiteY0"/>
+              </a:cxn>
+              <a:cxn ang="0">
+                <a:pos x="connsiteX1" y="connsiteY1"/>
+              </a:cxn>
+              <a:cxn ang="0">
+                <a:pos x="connsiteX2" y="connsiteY2"/>
+              </a:cxn>
+              <a:cxn ang="0">
+                <a:pos x="connsiteX3" y="connsiteY3"/>
+              </a:cxn>
+              <a:cxn ang="0">
+                <a:pos x="connsiteX4" y="connsiteY4"/>
+              </a:cxn>
+              <a:cxn ang="0">
+                <a:pos x="connsiteX5" y="connsiteY5"/>
+              </a:cxn>
+              <a:cxn ang="0">
+                <a:pos x="connsiteX6" y="connsiteY6"/>
+              </a:cxn>
+              <a:cxn ang="0">
+                <a:pos x="connsiteX7" y="connsiteY7"/>
+              </a:cxn>
+              <a:cxn ang="0">
+                <a:pos x="connsiteX8" y="connsiteY8"/>
+              </a:cxn>
+              <a:cxn ang="0">
+                <a:pos x="connsiteX9" y="connsiteY9"/>
+              </a:cxn>
+              <a:cxn ang="0">
+                <a:pos x="connsiteX10" y="connsiteY10"/>
+              </a:cxn>
+              <a:cxn ang="0">
+                <a:pos x="connsiteX11" y="connsiteY11"/>
+              </a:cxn>
+            </a:cxnLst>
+            <a:rect l="l" t="t" r="r" b="b"/>
+            <a:pathLst>
+              <a:path w="3255095" h="18288" fill="none" extrusionOk="0">
+                <a:moveTo>
+                  <a:pt x="0" y="0"/>
+                </a:moveTo>
+                <a:cubicBezTo>
+                  <a:pt x="240201" y="-22123"/>
+                  <a:pt x="462021" y="-19623"/>
+                  <a:pt x="618468" y="0"/>
+                </a:cubicBezTo>
+                <a:cubicBezTo>
+                  <a:pt x="774915" y="19623"/>
+                  <a:pt x="974734" y="2035"/>
+                  <a:pt x="1269487" y="0"/>
+                </a:cubicBezTo>
+                <a:cubicBezTo>
+                  <a:pt x="1564240" y="-2035"/>
+                  <a:pt x="1733579" y="10639"/>
+                  <a:pt x="1953057" y="0"/>
+                </a:cubicBezTo>
+                <a:cubicBezTo>
+                  <a:pt x="2172535" y="-10639"/>
+                  <a:pt x="2453962" y="14018"/>
+                  <a:pt x="2636627" y="0"/>
+                </a:cubicBezTo>
+                <a:cubicBezTo>
+                  <a:pt x="2819292" y="-14018"/>
+                  <a:pt x="3121375" y="5399"/>
+                  <a:pt x="3255095" y="0"/>
+                </a:cubicBezTo>
+                <a:cubicBezTo>
+                  <a:pt x="3254386" y="8157"/>
+                  <a:pt x="3254682" y="12125"/>
+                  <a:pt x="3255095" y="18288"/>
+                </a:cubicBezTo>
+                <a:cubicBezTo>
+                  <a:pt x="3088545" y="23203"/>
+                  <a:pt x="2687475" y="7419"/>
+                  <a:pt x="2538974" y="18288"/>
+                </a:cubicBezTo>
+                <a:cubicBezTo>
+                  <a:pt x="2390473" y="29157"/>
+                  <a:pt x="2137381" y="-8959"/>
+                  <a:pt x="1822853" y="18288"/>
+                </a:cubicBezTo>
+                <a:cubicBezTo>
+                  <a:pt x="1508325" y="45535"/>
+                  <a:pt x="1466437" y="20385"/>
+                  <a:pt x="1171834" y="18288"/>
+                </a:cubicBezTo>
+                <a:cubicBezTo>
+                  <a:pt x="877231" y="16191"/>
+                  <a:pt x="561097" y="37643"/>
+                  <a:pt x="0" y="18288"/>
+                </a:cubicBezTo>
+                <a:cubicBezTo>
+                  <a:pt x="-46" y="12483"/>
+                  <a:pt x="-203" y="6491"/>
+                  <a:pt x="0" y="0"/>
+                </a:cubicBezTo>
+                <a:close/>
+              </a:path>
+              <a:path w="3255095" h="18288" stroke="0" extrusionOk="0">
+                <a:moveTo>
+                  <a:pt x="0" y="0"/>
+                </a:moveTo>
+                <a:cubicBezTo>
+                  <a:pt x="291965" y="19429"/>
+                  <a:pt x="363155" y="8568"/>
+                  <a:pt x="618468" y="0"/>
+                </a:cubicBezTo>
+                <a:cubicBezTo>
+                  <a:pt x="873781" y="-8568"/>
+                  <a:pt x="904459" y="-19505"/>
+                  <a:pt x="1171834" y="0"/>
+                </a:cubicBezTo>
+                <a:cubicBezTo>
+                  <a:pt x="1439209" y="19505"/>
+                  <a:pt x="1744369" y="9790"/>
+                  <a:pt x="1887955" y="0"/>
+                </a:cubicBezTo>
+                <a:cubicBezTo>
+                  <a:pt x="2031541" y="-9790"/>
+                  <a:pt x="2346378" y="21240"/>
+                  <a:pt x="2506423" y="0"/>
+                </a:cubicBezTo>
+                <a:cubicBezTo>
+                  <a:pt x="2666468" y="-21240"/>
+                  <a:pt x="2990257" y="30414"/>
+                  <a:pt x="3255095" y="0"/>
+                </a:cubicBezTo>
+                <a:cubicBezTo>
+                  <a:pt x="3254831" y="4493"/>
+                  <a:pt x="3255479" y="9472"/>
+                  <a:pt x="3255095" y="18288"/>
+                </a:cubicBezTo>
+                <a:cubicBezTo>
+                  <a:pt x="3120743" y="16690"/>
+                  <a:pt x="2759628" y="42462"/>
+                  <a:pt x="2604076" y="18288"/>
+                </a:cubicBezTo>
+                <a:cubicBezTo>
+                  <a:pt x="2448524" y="-5886"/>
+                  <a:pt x="2184336" y="19599"/>
+                  <a:pt x="1887955" y="18288"/>
+                </a:cubicBezTo>
+                <a:cubicBezTo>
+                  <a:pt x="1591574" y="16977"/>
+                  <a:pt x="1548845" y="6870"/>
+                  <a:pt x="1334589" y="18288"/>
+                </a:cubicBezTo>
+                <a:cubicBezTo>
+                  <a:pt x="1120333" y="29706"/>
+                  <a:pt x="996014" y="9662"/>
+                  <a:pt x="683570" y="18288"/>
+                </a:cubicBezTo>
+                <a:cubicBezTo>
+                  <a:pt x="371126" y="26914"/>
+                  <a:pt x="198687" y="16167"/>
+                  <a:pt x="0" y="18288"/>
+                </a:cubicBezTo>
+                <a:cubicBezTo>
+                  <a:pt x="843" y="9577"/>
+                  <a:pt x="371" y="6900"/>
+                  <a:pt x="0" y="0"/>
+                </a:cubicBezTo>
+                <a:close/>
+              </a:path>
+            </a:pathLst>
+          </a:custGeom>
+          <a:solidFill>
+            <a:schemeClr val="accent2"/>
+          </a:solidFill>
+          <a:ln w="38100" cap="rnd">
+            <a:solidFill>
+              <a:schemeClr val="accent2"/>
+            </a:solidFill>
+            <a:round/>
+            <a:extLst>
+              <a:ext uri="{C807C97D-BFC1-408E-A445-0C87EB9F89A2}">
+                <ask:lineSketchStyleProps xmlns:ask="http://schemas.microsoft.com/office/drawing/2018/sketchyshapes" sd="1219033472">
+                  <a:prstGeom prst="rect">
+                    <a:avLst/>
+                  </a:prstGeom>
+                  <ask:type>
+                    <ask:lineSketchFreehand/>
+                  </ask:type>
+                </ask:lineSketchStyleProps>
+              </a:ext>
+            </a:extLst>
+          </a:ln>
+        </p:spPr>
+        <p:style>
+          <a:lnRef idx="2">
+            <a:schemeClr val="accent1">
+              <a:shade val="50000"/>
+            </a:schemeClr>
+          </a:lnRef>
+          <a:fillRef idx="1">
+            <a:schemeClr val="accent1"/>
+          </a:fillRef>
+          <a:effectRef idx="0">
+            <a:schemeClr val="accent1"/>
+          </a:effectRef>
+          <a:fontRef idx="minor">
+            <a:schemeClr val="lt1"/>
+          </a:fontRef>
+        </p:style>
+        <p:txBody>
+          <a:bodyPr rtlCol="0" anchor="ctr"/>
+          <a:lstStyle/>
+          <a:p>
+            <a:pPr algn="ctr"/>
+            <a:endParaRPr lang="en-US"/>
+          </a:p>
+        </p:txBody>
+      </p:sp>
+      <p:sp>
+        <p:nvSpPr>
+          <p:cNvPr id="3" name="Content Placeholder 2">
+            <a:extLst>
+              <a:ext uri="{FF2B5EF4-FFF2-40B4-BE49-F238E27FC236}">
+                <a16:creationId xmlns:a16="http://schemas.microsoft.com/office/drawing/2014/main" id="{CE788BEE-8B9D-43E2-8B76-025EE2A7CAE6}"/>
+              </a:ext>
+            </a:extLst>
+          </p:cNvPr>
+          <p:cNvSpPr>
+            <a:spLocks noGrp="1"/>
+          </p:cNvSpPr>
+          <p:nvPr>
+            <p:ph idx="1"/>
+          </p:nvPr>
+        </p:nvSpPr>
+        <p:spPr>
+          <a:xfrm>
+            <a:off x="630936" y="2660904"/>
+            <a:ext cx="4818888" cy="3547872"/>
+          </a:xfrm>
+        </p:spPr>
+        <p:txBody>
+          <a:bodyPr anchor="t">
+            <a:normAutofit/>
+          </a:bodyPr>
+          <a:lstStyle/>
+          <a:p>
+            <a:r>
+              <a:rPr lang="en-US" sz="2200"/>
+              <a:t>Mid-term Evaluation (Sunday this week)</a:t>
+            </a:r>
+          </a:p>
+          <a:p>
+            <a:r>
+              <a:rPr lang="en-US" sz="2200"/>
+              <a:t>Initial Data Analysis (Sunday next week)</a:t>
+            </a:r>
+          </a:p>
+          <a:p>
+            <a:r>
+              <a:rPr lang="en-US" sz="2200"/>
+              <a:t>Multiple Regression</a:t>
+            </a:r>
+          </a:p>
+        </p:txBody>
+      </p:sp>
+      <p:pic>
+        <p:nvPicPr>
+          <p:cNvPr id="7" name="Graphic 6" descr="Calendar">
+            <a:extLst>
+              <a:ext uri="{FF2B5EF4-FFF2-40B4-BE49-F238E27FC236}">
+                <a16:creationId xmlns:a16="http://schemas.microsoft.com/office/drawing/2014/main" id="{0DCE6E6E-65C2-43BB-8514-EC1D893A58D4}"/>
+              </a:ext>
+            </a:extLst>
+          </p:cNvPr>
+          <p:cNvPicPr>
+            <a:picLocks noChangeAspect="1"/>
+          </p:cNvPicPr>
+          <p:nvPr/>
+        </p:nvPicPr>
+        <p:blipFill>
+          <a:blip r:embed="rId2">
+            <a:extLst>
+              <a:ext uri="{28A0092B-C50C-407E-A947-70E740481C1C}">
+                <a14:useLocalDpi xmlns:a14="http://schemas.microsoft.com/office/drawing/2010/main" val="0"/>
+              </a:ext>
+              <a:ext uri="{96DAC541-7B7A-43D3-8B79-37D633B846F1}">
+                <asvg:svgBlip xmlns:asvg="http://schemas.microsoft.com/office/drawing/2016/SVG/main" r:embed="rId3"/>
+              </a:ext>
+            </a:extLst>
+          </a:blip>
+          <a:stretch>
+            <a:fillRect/>
+          </a:stretch>
+        </p:blipFill>
+        <p:spPr>
+          <a:xfrm>
+            <a:off x="6099048" y="699516"/>
+            <a:ext cx="5458968" cy="5458968"/>
+          </a:xfrm>
+          <a:prstGeom prst="rect">
+            <a:avLst/>
+          </a:prstGeom>
+        </p:spPr>
+      </p:pic>
+    </p:spTree>
+    <p:extLst>
+      <p:ext uri="{BB962C8B-B14F-4D97-AF65-F5344CB8AC3E}">
+        <p14:creationId xmlns:p14="http://schemas.microsoft.com/office/powerpoint/2010/main" val="3449613745"/>
+      </p:ext>
+    </p:extLst>
+  </p:cSld>
+  <p:clrMapOvr>
+    <a:masterClrMapping/>
+  </p:clrMapOvr>
+</p:sld>
+</file>
+
+<file path=ppt/slides/slide31.xml><?xml version="1.0" encoding="utf-8"?>
+<p:sld xmlns:a="http://schemas.openxmlformats.org/drawingml/2006/main" xmlns:r="http://schemas.openxmlformats.org/officeDocument/2006/relationships" xmlns:p="http://schemas.openxmlformats.org/presentationml/2006/main" show="0">
+  <p:cSld>
+    <p:spTree>
+      <p:nvGrpSpPr>
+        <p:cNvPr id="1" name=""/>
+        <p:cNvGrpSpPr/>
+        <p:nvPr/>
+      </p:nvGrpSpPr>
+      <p:grpSpPr>
+        <a:xfrm>
+          <a:off x="0" y="0"/>
+          <a:ext cx="0" cy="0"/>
+          <a:chOff x="0" y="0"/>
+          <a:chExt cx="0" cy="0"/>
+        </a:xfrm>
+      </p:grpSpPr>
+      <p:sp>
+        <p:nvSpPr>
+          <p:cNvPr id="2" name="Title 1">
+            <a:extLst>
+              <a:ext uri="{FF2B5EF4-FFF2-40B4-BE49-F238E27FC236}">
+                <a16:creationId xmlns:a16="http://schemas.microsoft.com/office/drawing/2014/main" id="{B58A304F-747C-4A04-9BB5-77567BE5530E}"/>
+              </a:ext>
+            </a:extLst>
+          </p:cNvPr>
+          <p:cNvSpPr>
+            <a:spLocks noGrp="1"/>
+          </p:cNvSpPr>
+          <p:nvPr>
+            <p:ph type="title"/>
+          </p:nvPr>
+        </p:nvSpPr>
+        <p:spPr/>
+        <p:txBody>
+          <a:bodyPr/>
+          <a:lstStyle/>
+          <a:p>
+            <a:r>
+              <a:rPr lang="en-US" dirty="0"/>
+              <a:t>5-min snippet Sex Ratio Equilibrium</a:t>
+            </a:r>
+          </a:p>
+        </p:txBody>
+      </p:sp>
+      <p:sp>
+        <p:nvSpPr>
+          <p:cNvPr id="3" name="Content Placeholder 2">
+            <a:extLst>
+              <a:ext uri="{FF2B5EF4-FFF2-40B4-BE49-F238E27FC236}">
+                <a16:creationId xmlns:a16="http://schemas.microsoft.com/office/drawing/2014/main" id="{80E50E8D-B594-44B7-8467-285878294200}"/>
+              </a:ext>
+            </a:extLst>
+          </p:cNvPr>
+          <p:cNvSpPr>
+            <a:spLocks noGrp="1"/>
+          </p:cNvSpPr>
+          <p:nvPr>
+            <p:ph idx="1"/>
+          </p:nvPr>
+        </p:nvSpPr>
+        <p:spPr/>
+        <p:txBody>
+          <a:bodyPr/>
+          <a:lstStyle/>
+          <a:p>
+            <a:r>
+              <a:rPr lang="en-US" dirty="0"/>
+              <a:t>Robust ratio of 1:1 </a:t>
+            </a:r>
+          </a:p>
+        </p:txBody>
+      </p:sp>
+    </p:spTree>
+    <p:extLst>
+      <p:ext uri="{BB962C8B-B14F-4D97-AF65-F5344CB8AC3E}">
+        <p14:creationId xmlns:p14="http://schemas.microsoft.com/office/powerpoint/2010/main" val="2812934525"/>
       </p:ext>
     </p:extLst>
   </p:cSld>
@@ -24376,15 +25369,6 @@
 </file>
 
 <file path=customXml/item1.xml><?xml version="1.0" encoding="utf-8"?>
-<?mso-contentType ?>
-<FormTemplates xmlns="http://schemas.microsoft.com/sharepoint/v3/contenttype/forms">
-  <Display>DocumentLibraryForm</Display>
-  <Edit>DocumentLibraryForm</Edit>
-  <New>DocumentLibraryForm</New>
-</FormTemplates>
-</file>
-
-<file path=customXml/item2.xml><?xml version="1.0" encoding="utf-8"?>
 <ct:contentTypeSchema xmlns:ct="http://schemas.microsoft.com/office/2006/metadata/contentType" xmlns:ma="http://schemas.microsoft.com/office/2006/metadata/properties/metaAttributes" ct:_="" ma:_="" ma:contentTypeName="Document" ma:contentTypeID="0x01010079F111ED35F8CC479449609E8A0923A6" ma:contentTypeVersion="11" ma:contentTypeDescription="Create a new document." ma:contentTypeScope="" ma:versionID="96291512c1ee715ab617f4c07df79fc1">
   <xsd:schema xmlns:xsd="http://www.w3.org/2001/XMLSchema" xmlns:xs="http://www.w3.org/2001/XMLSchema" xmlns:p="http://schemas.microsoft.com/office/2006/metadata/properties" xmlns:ns2="71af3243-3dd4-4a8d-8c0d-dd76da1f02a5" xmlns:ns3="16c05727-aa75-4e4a-9b5f-8a80a1165891" targetNamespace="http://schemas.microsoft.com/office/2006/metadata/properties" ma:root="true" ma:fieldsID="8256c27c40ca5c40ce1cf6c44f0205df" ns2:_="" ns3:_="">
     <xsd:import namespace="71af3243-3dd4-4a8d-8c0d-dd76da1f02a5"/>
@@ -24595,6 +25579,15 @@
 </ct:contentTypeSchema>
 </file>
 
+<file path=customXml/item2.xml><?xml version="1.0" encoding="utf-8"?>
+<?mso-contentType ?>
+<FormTemplates xmlns="http://schemas.microsoft.com/sharepoint/v3/contenttype/forms">
+  <Display>DocumentLibraryForm</Display>
+  <Edit>DocumentLibraryForm</Edit>
+  <New>DocumentLibraryForm</New>
+</FormTemplates>
+</file>
+
 <file path=customXml/item3.xml><?xml version="1.0" encoding="utf-8"?>
 <p:properties xmlns:p="http://schemas.microsoft.com/office/2006/metadata/properties" xmlns:xsi="http://www.w3.org/2001/XMLSchema-instance" xmlns:pc="http://schemas.microsoft.com/office/infopath/2007/PartnerControls">
   <documentManagement>
@@ -24604,14 +25597,6 @@
 </file>
 
 <file path=customXml/itemProps1.xml><?xml version="1.0" encoding="utf-8"?>
-<ds:datastoreItem xmlns:ds="http://schemas.openxmlformats.org/officeDocument/2006/customXml" ds:itemID="{5CA875DA-F9FD-4F83-A049-3B1027B542DE}">
-  <ds:schemaRefs>
-    <ds:schemaRef ds:uri="http://schemas.microsoft.com/sharepoint/v3/contenttype/forms"/>
-  </ds:schemaRefs>
-</ds:datastoreItem>
-</file>
-
-<file path=customXml/itemProps2.xml><?xml version="1.0" encoding="utf-8"?>
 <ds:datastoreItem xmlns:ds="http://schemas.openxmlformats.org/officeDocument/2006/customXml" ds:itemID="{B2AB02E3-5ADF-4BF0-9C1B-35CDF3FE95B0}">
   <ds:schemaRefs>
     <ds:schemaRef ds:uri="http://schemas.microsoft.com/office/2006/metadata/contentType"/>
@@ -24630,6 +25615,14 @@
 </ds:datastoreItem>
 </file>
 
+<file path=customXml/itemProps2.xml><?xml version="1.0" encoding="utf-8"?>
+<ds:datastoreItem xmlns:ds="http://schemas.openxmlformats.org/officeDocument/2006/customXml" ds:itemID="{5CA875DA-F9FD-4F83-A049-3B1027B542DE}">
+  <ds:schemaRefs>
+    <ds:schemaRef ds:uri="http://schemas.microsoft.com/sharepoint/v3/contenttype/forms"/>
+  </ds:schemaRefs>
+</ds:datastoreItem>
+</file>
+
 <file path=customXml/itemProps3.xml><?xml version="1.0" encoding="utf-8"?>
 <ds:datastoreItem xmlns:ds="http://schemas.openxmlformats.org/officeDocument/2006/customXml" ds:itemID="{03C7D9E6-B0D9-433E-BD46-EB60F64F4DA8}">
   <ds:schemaRefs>
